--- a/강화학습 실제/과제/Actor_Critic_2024254022_정현일.pptx
+++ b/강화학습 실제/과제/Actor_Critic_2024254022_정현일.pptx
@@ -21,23 +21,18 @@
   <p:notesSz cx="6858000" cy="9144000"/>
   <p:embeddedFontLst>
     <p:embeddedFont>
-      <p:font typeface="Montserrat" panose="020B0604020202020204" charset="0"/>
+      <p:font typeface="Merriweather" pitchFamily="2" charset="0"/>
       <p:regular r:id="rId11"/>
       <p:bold r:id="rId12"/>
       <p:italic r:id="rId13"/>
       <p:boldItalic r:id="rId14"/>
     </p:embeddedFont>
     <p:embeddedFont>
-      <p:font typeface="Merriweather" panose="020B0604020202020204" charset="0"/>
+      <p:font typeface="Montserrat" pitchFamily="2" charset="0"/>
       <p:regular r:id="rId15"/>
       <p:bold r:id="rId16"/>
       <p:italic r:id="rId17"/>
       <p:boldItalic r:id="rId18"/>
-    </p:embeddedFont>
-    <p:embeddedFont>
-      <p:font typeface="맑은 고딕" panose="020B0503020000020004" pitchFamily="50" charset="-127"/>
-      <p:regular r:id="rId19"/>
-      <p:bold r:id="rId20"/>
     </p:embeddedFont>
   </p:embeddedFontLst>
   <p:defaultTextStyle>
@@ -2401,13 +2396,6 @@
   <p:clrMapOvr>
     <a:masterClrMapping/>
   </p:clrMapOvr>
-  <p:timing>
-    <p:tnLst>
-      <p:par>
-        <p:cTn id="1" dur="indefinite" restart="never" nodeType="tmRoot"/>
-      </p:par>
-    </p:tnLst>
-  </p:timing>
   <p:extLst>
     <p:ext uri="{DCECCB84-F9BA-43D5-87BE-67443E8EF086}">
       <p15:sldGuideLst xmlns:p15="http://schemas.microsoft.com/office/powerpoint/2012/main">
@@ -6560,13 +6548,6 @@
     <p:sldLayoutId id="2147483659" r:id="rId1"/>
     <p:sldLayoutId id="2147483662" r:id="rId2"/>
   </p:sldLayoutIdLst>
-  <p:timing>
-    <p:tnLst>
-      <p:par>
-        <p:cTn id="1" dur="indefinite" restart="never" nodeType="tmRoot"/>
-      </p:par>
-    </p:tnLst>
-  </p:timing>
   <p:hf sldNum="0" hdr="0" ftr="0" dt="0"/>
   <p:txStyles>
     <p:titleStyle>
@@ -7257,7 +7238,7 @@
       </a:lvl9pPr>
     </p:otherStyle>
   </p:txStyles>
-  <p:extLst mod="1">
+  <p:extLst>
     <p:ext uri="{27BBF7A9-308A-43DC-89C8-2F10F3537804}">
       <p15:sldGuideLst xmlns:p15="http://schemas.microsoft.com/office/powerpoint/2012/main">
         <p15:guide id="1" orient="horz" pos="1620">
@@ -7692,7 +7673,7 @@
           <p:cNvPr id="2" name="Google Shape;77;p24">
             <a:extLst>
               <a:ext uri="{FF2B5EF4-FFF2-40B4-BE49-F238E27FC236}">
-                <a16:creationId xmlns:a16="http://schemas.microsoft.com/office/drawing/2014/main" xmlns="" id="{74103298-91DA-8DDD-04F1-2AC675AC5C20}"/>
+                <a16:creationId xmlns:a16="http://schemas.microsoft.com/office/drawing/2014/main" id="{74103298-91DA-8DDD-04F1-2AC675AC5C20}"/>
               </a:ext>
             </a:extLst>
           </p:cNvPr>
@@ -7741,7 +7722,7 @@
           <p:cNvPr id="4" name="Google Shape;77;p24">
             <a:extLst>
               <a:ext uri="{FF2B5EF4-FFF2-40B4-BE49-F238E27FC236}">
-                <a16:creationId xmlns:a16="http://schemas.microsoft.com/office/drawing/2014/main" xmlns="" id="{CE57C926-AC8E-335B-F2A8-D64A3ED0BB8D}"/>
+                <a16:creationId xmlns:a16="http://schemas.microsoft.com/office/drawing/2014/main" id="{CE57C926-AC8E-335B-F2A8-D64A3ED0BB8D}"/>
               </a:ext>
             </a:extLst>
           </p:cNvPr>
@@ -7931,7 +7912,7 @@
           <p:cNvPr id="5" name="Google Shape;77;p24">
             <a:extLst>
               <a:ext uri="{FF2B5EF4-FFF2-40B4-BE49-F238E27FC236}">
-                <a16:creationId xmlns:a16="http://schemas.microsoft.com/office/drawing/2014/main" xmlns="" id="{5A81A8CC-A816-4713-31DF-8AEBB005A0F9}"/>
+                <a16:creationId xmlns:a16="http://schemas.microsoft.com/office/drawing/2014/main" id="{5A81A8CC-A816-4713-31DF-8AEBB005A0F9}"/>
               </a:ext>
             </a:extLst>
           </p:cNvPr>
@@ -7996,13 +7977,6 @@
   <p:clrMapOvr>
     <a:masterClrMapping/>
   </p:clrMapOvr>
-  <p:timing>
-    <p:tnLst>
-      <p:par>
-        <p:cTn id="1" dur="indefinite" restart="never" nodeType="tmRoot"/>
-      </p:par>
-    </p:tnLst>
-  </p:timing>
 </p:sld>
 </file>
 
@@ -8193,7 +8167,7 @@
           <p:cNvPr id="4" name="내용 개체 틀 2">
             <a:extLst>
               <a:ext uri="{FF2B5EF4-FFF2-40B4-BE49-F238E27FC236}">
-                <a16:creationId xmlns:a16="http://schemas.microsoft.com/office/drawing/2014/main" xmlns="" id="{B73A9660-F78D-A435-853E-7A6E7F4A12F0}"/>
+                <a16:creationId xmlns:a16="http://schemas.microsoft.com/office/drawing/2014/main" id="{B73A9660-F78D-A435-853E-7A6E7F4A12F0}"/>
               </a:ext>
             </a:extLst>
           </p:cNvPr>
@@ -8581,7 +8555,7 @@
           <p:cNvPr id="5" name="표 4">
             <a:extLst>
               <a:ext uri="{FF2B5EF4-FFF2-40B4-BE49-F238E27FC236}">
-                <a16:creationId xmlns:a16="http://schemas.microsoft.com/office/drawing/2014/main" xmlns="" id="{73AC4187-46B5-1858-8F4C-DEF03BB9423E}"/>
+                <a16:creationId xmlns:a16="http://schemas.microsoft.com/office/drawing/2014/main" id="{73AC4187-46B5-1858-8F4C-DEF03BB9423E}"/>
               </a:ext>
             </a:extLst>
           </p:cNvPr>
@@ -8610,14 +8584,14 @@
                 <a:gridCol w="1181224">
                   <a:extLst>
                     <a:ext uri="{9D8B030D-6E8A-4147-A177-3AD203B41FA5}">
-                      <a16:colId xmlns:a16="http://schemas.microsoft.com/office/drawing/2014/main" xmlns="" val="2050057694"/>
+                      <a16:colId xmlns:a16="http://schemas.microsoft.com/office/drawing/2014/main" val="2050057694"/>
                     </a:ext>
                   </a:extLst>
                 </a:gridCol>
                 <a:gridCol w="1181224">
                   <a:extLst>
                     <a:ext uri="{9D8B030D-6E8A-4147-A177-3AD203B41FA5}">
-                      <a16:colId xmlns:a16="http://schemas.microsoft.com/office/drawing/2014/main" xmlns="" val="3498094658"/>
+                      <a16:colId xmlns:a16="http://schemas.microsoft.com/office/drawing/2014/main" val="3498094658"/>
                     </a:ext>
                   </a:extLst>
                 </a:gridCol>
@@ -8655,7 +8629,7 @@
                 </a:tc>
                 <a:extLst>
                   <a:ext uri="{0D108BD9-81ED-4DB2-BD59-A6C34878D82A}">
-                    <a16:rowId xmlns:a16="http://schemas.microsoft.com/office/drawing/2014/main" xmlns="" val="79766328"/>
+                    <a16:rowId xmlns:a16="http://schemas.microsoft.com/office/drawing/2014/main" val="79766328"/>
                   </a:ext>
                 </a:extLst>
               </a:tr>
@@ -8754,7 +8728,7 @@
                 </a:tc>
                 <a:extLst>
                   <a:ext uri="{0D108BD9-81ED-4DB2-BD59-A6C34878D82A}">
-                    <a16:rowId xmlns:a16="http://schemas.microsoft.com/office/drawing/2014/main" xmlns="" val="3376613869"/>
+                    <a16:rowId xmlns:a16="http://schemas.microsoft.com/office/drawing/2014/main" val="3376613869"/>
                   </a:ext>
                 </a:extLst>
               </a:tr>
@@ -8863,7 +8837,7 @@
                 </a:tc>
                 <a:extLst>
                   <a:ext uri="{0D108BD9-81ED-4DB2-BD59-A6C34878D82A}">
-                    <a16:rowId xmlns:a16="http://schemas.microsoft.com/office/drawing/2014/main" xmlns="" val="1839139184"/>
+                    <a16:rowId xmlns:a16="http://schemas.microsoft.com/office/drawing/2014/main" val="1839139184"/>
                   </a:ext>
                 </a:extLst>
               </a:tr>
@@ -8972,7 +8946,7 @@
                 </a:tc>
                 <a:extLst>
                   <a:ext uri="{0D108BD9-81ED-4DB2-BD59-A6C34878D82A}">
-                    <a16:rowId xmlns:a16="http://schemas.microsoft.com/office/drawing/2014/main" xmlns="" val="2823770507"/>
+                    <a16:rowId xmlns:a16="http://schemas.microsoft.com/office/drawing/2014/main" val="2823770507"/>
                   </a:ext>
                 </a:extLst>
               </a:tr>
@@ -9071,7 +9045,7 @@
                 </a:tc>
                 <a:extLst>
                   <a:ext uri="{0D108BD9-81ED-4DB2-BD59-A6C34878D82A}">
-                    <a16:rowId xmlns:a16="http://schemas.microsoft.com/office/drawing/2014/main" xmlns="" val="171626832"/>
+                    <a16:rowId xmlns:a16="http://schemas.microsoft.com/office/drawing/2014/main" val="171626832"/>
                   </a:ext>
                 </a:extLst>
               </a:tr>
@@ -9084,7 +9058,7 @@
           <p:cNvPr id="11" name="그림 10">
             <a:extLst>
               <a:ext uri="{FF2B5EF4-FFF2-40B4-BE49-F238E27FC236}">
-                <a16:creationId xmlns:a16="http://schemas.microsoft.com/office/drawing/2014/main" xmlns="" id="{0DBBB925-F1F7-CAA7-A427-E46ED4C90F05}"/>
+                <a16:creationId xmlns:a16="http://schemas.microsoft.com/office/drawing/2014/main" id="{0DBBB925-F1F7-CAA7-A427-E46ED4C90F05}"/>
               </a:ext>
             </a:extLst>
           </p:cNvPr>
@@ -9309,7 +9283,7 @@
           <p:cNvPr id="4" name="내용 개체 틀 2">
             <a:extLst>
               <a:ext uri="{FF2B5EF4-FFF2-40B4-BE49-F238E27FC236}">
-                <a16:creationId xmlns:a16="http://schemas.microsoft.com/office/drawing/2014/main" xmlns="" id="{B73A9660-F78D-A435-853E-7A6E7F4A12F0}"/>
+                <a16:creationId xmlns:a16="http://schemas.microsoft.com/office/drawing/2014/main" id="{B73A9660-F78D-A435-853E-7A6E7F4A12F0}"/>
               </a:ext>
             </a:extLst>
           </p:cNvPr>
@@ -9590,7 +9564,7 @@
           <p:cNvPr id="2" name="내용 개체 틀 2">
             <a:extLst>
               <a:ext uri="{FF2B5EF4-FFF2-40B4-BE49-F238E27FC236}">
-                <a16:creationId xmlns:a16="http://schemas.microsoft.com/office/drawing/2014/main" xmlns="" id="{47CC3899-0DFB-1EAF-9C60-705318ED5E24}"/>
+                <a16:creationId xmlns:a16="http://schemas.microsoft.com/office/drawing/2014/main" id="{47CC3899-0DFB-1EAF-9C60-705318ED5E24}"/>
               </a:ext>
             </a:extLst>
           </p:cNvPr>
@@ -9866,7 +9840,7 @@
           <p:cNvPr id="6" name="내용 개체 틀 2">
             <a:extLst>
               <a:ext uri="{FF2B5EF4-FFF2-40B4-BE49-F238E27FC236}">
-                <a16:creationId xmlns:a16="http://schemas.microsoft.com/office/drawing/2014/main" xmlns="" id="{611C81EF-4BAF-C481-29AF-D0CD3FCFAC99}"/>
+                <a16:creationId xmlns:a16="http://schemas.microsoft.com/office/drawing/2014/main" id="{611C81EF-4BAF-C481-29AF-D0CD3FCFAC99}"/>
               </a:ext>
             </a:extLst>
           </p:cNvPr>
@@ -10238,8 +10212,35 @@
                 <a:latin typeface="+mn-ea"/>
                 <a:ea typeface="+mn-ea"/>
               </a:rPr>
-              <a:t>은 학습에 충분한 정보를 제공하지 </a:t>
+              <a:t>은 학습에 충분한 정보를 제공하지</a:t>
             </a:r>
+            <a:r>
+              <a:rPr lang="en-US" altLang="ko-KR" sz="1200" dirty="0">
+                <a:solidFill>
+                  <a:srgbClr val="232425"/>
+                </a:solidFill>
+                <a:latin typeface="+mn-ea"/>
+                <a:ea typeface="+mn-ea"/>
+              </a:rPr>
+              <a:t> </a:t>
+            </a:r>
+            <a:r>
+              <a:rPr lang="ko-KR" altLang="en-US" sz="1200">
+                <a:solidFill>
+                  <a:srgbClr val="232425"/>
+                </a:solidFill>
+                <a:latin typeface="+mn-ea"/>
+                <a:ea typeface="+mn-ea"/>
+              </a:rPr>
+              <a:t>못함 </a:t>
+            </a:r>
+            <a:endParaRPr lang="ko-KR" altLang="en-US" sz="1200" dirty="0">
+              <a:solidFill>
+                <a:srgbClr val="232425"/>
+              </a:solidFill>
+              <a:latin typeface="+mn-ea"/>
+              <a:ea typeface="+mn-ea"/>
+            </a:endParaRPr>
           </a:p>
         </p:txBody>
       </p:sp>
@@ -10248,7 +10249,7 @@
           <p:cNvPr id="7" name="내용 개체 틀 2">
             <a:extLst>
               <a:ext uri="{FF2B5EF4-FFF2-40B4-BE49-F238E27FC236}">
-                <a16:creationId xmlns:a16="http://schemas.microsoft.com/office/drawing/2014/main" xmlns="" id="{C0F68744-81E0-59BF-7257-550CC23F166E}"/>
+                <a16:creationId xmlns:a16="http://schemas.microsoft.com/office/drawing/2014/main" id="{C0F68744-81E0-59BF-7257-550CC23F166E}"/>
               </a:ext>
             </a:extLst>
           </p:cNvPr>
@@ -10524,7 +10525,7 @@
           <p:cNvPr id="8" name="내용 개체 틀 2">
             <a:extLst>
               <a:ext uri="{FF2B5EF4-FFF2-40B4-BE49-F238E27FC236}">
-                <a16:creationId xmlns:a16="http://schemas.microsoft.com/office/drawing/2014/main" xmlns="" id="{A69F7659-7AF2-68DD-3A39-EF4F9F30307B}"/>
+                <a16:creationId xmlns:a16="http://schemas.microsoft.com/office/drawing/2014/main" id="{A69F7659-7AF2-68DD-3A39-EF4F9F30307B}"/>
               </a:ext>
             </a:extLst>
           </p:cNvPr>
@@ -10803,7 +10804,7 @@
           <p:cNvPr id="9" name="그림 8">
             <a:extLst>
               <a:ext uri="{FF2B5EF4-FFF2-40B4-BE49-F238E27FC236}">
-                <a16:creationId xmlns:a16="http://schemas.microsoft.com/office/drawing/2014/main" xmlns="" id="{9AD4A876-22D2-9DCA-7F6F-641ED3415872}"/>
+                <a16:creationId xmlns:a16="http://schemas.microsoft.com/office/drawing/2014/main" id="{9AD4A876-22D2-9DCA-7F6F-641ED3415872}"/>
               </a:ext>
             </a:extLst>
           </p:cNvPr>
@@ -10833,7 +10834,7 @@
           <p:cNvPr id="10" name="내용 개체 틀 2">
             <a:extLst>
               <a:ext uri="{FF2B5EF4-FFF2-40B4-BE49-F238E27FC236}">
-                <a16:creationId xmlns:a16="http://schemas.microsoft.com/office/drawing/2014/main" xmlns="" id="{BD0B5E05-FE1D-77A2-6620-AE4F05AD533D}"/>
+                <a16:creationId xmlns:a16="http://schemas.microsoft.com/office/drawing/2014/main" id="{BD0B5E05-FE1D-77A2-6620-AE4F05AD533D}"/>
               </a:ext>
             </a:extLst>
           </p:cNvPr>
@@ -11165,7 +11166,7 @@
           <p:cNvPr id="12" name="내용 개체 틀 2">
             <a:extLst>
               <a:ext uri="{FF2B5EF4-FFF2-40B4-BE49-F238E27FC236}">
-                <a16:creationId xmlns:a16="http://schemas.microsoft.com/office/drawing/2014/main" xmlns="" id="{85405CDC-6C0D-A6A1-C4C2-F18C8237163B}"/>
+                <a16:creationId xmlns:a16="http://schemas.microsoft.com/office/drawing/2014/main" id="{85405CDC-6C0D-A6A1-C4C2-F18C8237163B}"/>
               </a:ext>
             </a:extLst>
           </p:cNvPr>
@@ -11513,7 +11514,7 @@
           <p:cNvPr id="13" name="내용 개체 틀 2">
             <a:extLst>
               <a:ext uri="{FF2B5EF4-FFF2-40B4-BE49-F238E27FC236}">
-                <a16:creationId xmlns:a16="http://schemas.microsoft.com/office/drawing/2014/main" xmlns="" id="{397F920F-4DA1-3589-7406-6E4E71FB70E7}"/>
+                <a16:creationId xmlns:a16="http://schemas.microsoft.com/office/drawing/2014/main" id="{397F920F-4DA1-3589-7406-6E4E71FB70E7}"/>
               </a:ext>
             </a:extLst>
           </p:cNvPr>
@@ -11783,7 +11784,7 @@
           <p:cNvPr id="14" name="내용 개체 틀 2">
             <a:extLst>
               <a:ext uri="{FF2B5EF4-FFF2-40B4-BE49-F238E27FC236}">
-                <a16:creationId xmlns:a16="http://schemas.microsoft.com/office/drawing/2014/main" xmlns="" id="{FEA61964-22F6-6885-6227-9E3FEBF52F3A}"/>
+                <a16:creationId xmlns:a16="http://schemas.microsoft.com/office/drawing/2014/main" id="{FEA61964-22F6-6885-6227-9E3FEBF52F3A}"/>
               </a:ext>
             </a:extLst>
           </p:cNvPr>
@@ -12124,7 +12125,7 @@
           <p:cNvPr id="15" name="그림 14">
             <a:extLst>
               <a:ext uri="{FF2B5EF4-FFF2-40B4-BE49-F238E27FC236}">
-                <a16:creationId xmlns:a16="http://schemas.microsoft.com/office/drawing/2014/main" xmlns="" id="{F7E7825C-AE74-1AB6-22E0-C9AD9F0E25A8}"/>
+                <a16:creationId xmlns:a16="http://schemas.microsoft.com/office/drawing/2014/main" id="{F7E7825C-AE74-1AB6-22E0-C9AD9F0E25A8}"/>
               </a:ext>
             </a:extLst>
           </p:cNvPr>
@@ -12349,7 +12350,7 @@
           <p:cNvPr id="4" name="내용 개체 틀 2">
             <a:extLst>
               <a:ext uri="{FF2B5EF4-FFF2-40B4-BE49-F238E27FC236}">
-                <a16:creationId xmlns:a16="http://schemas.microsoft.com/office/drawing/2014/main" xmlns="" id="{B73A9660-F78D-A435-853E-7A6E7F4A12F0}"/>
+                <a16:creationId xmlns:a16="http://schemas.microsoft.com/office/drawing/2014/main" id="{B73A9660-F78D-A435-853E-7A6E7F4A12F0}"/>
               </a:ext>
             </a:extLst>
           </p:cNvPr>
@@ -12679,7 +12680,7 @@
           <p:cNvPr id="3" name="표 2">
             <a:extLst>
               <a:ext uri="{FF2B5EF4-FFF2-40B4-BE49-F238E27FC236}">
-                <a16:creationId xmlns:a16="http://schemas.microsoft.com/office/drawing/2014/main" xmlns="" id="{8A75A06A-1D21-BBF4-897C-8A8ECE675962}"/>
+                <a16:creationId xmlns:a16="http://schemas.microsoft.com/office/drawing/2014/main" id="{8A75A06A-1D21-BBF4-897C-8A8ECE675962}"/>
               </a:ext>
             </a:extLst>
           </p:cNvPr>
@@ -12708,14 +12709,14 @@
                 <a:gridCol w="1181224">
                   <a:extLst>
                     <a:ext uri="{9D8B030D-6E8A-4147-A177-3AD203B41FA5}">
-                      <a16:colId xmlns:a16="http://schemas.microsoft.com/office/drawing/2014/main" xmlns="" val="2050057694"/>
+                      <a16:colId xmlns:a16="http://schemas.microsoft.com/office/drawing/2014/main" val="2050057694"/>
                     </a:ext>
                   </a:extLst>
                 </a:gridCol>
                 <a:gridCol w="1181224">
                   <a:extLst>
                     <a:ext uri="{9D8B030D-6E8A-4147-A177-3AD203B41FA5}">
-                      <a16:colId xmlns:a16="http://schemas.microsoft.com/office/drawing/2014/main" xmlns="" val="3498094658"/>
+                      <a16:colId xmlns:a16="http://schemas.microsoft.com/office/drawing/2014/main" val="3498094658"/>
                     </a:ext>
                   </a:extLst>
                 </a:gridCol>
@@ -12753,7 +12754,7 @@
                 </a:tc>
                 <a:extLst>
                   <a:ext uri="{0D108BD9-81ED-4DB2-BD59-A6C34878D82A}">
-                    <a16:rowId xmlns:a16="http://schemas.microsoft.com/office/drawing/2014/main" xmlns="" val="79766328"/>
+                    <a16:rowId xmlns:a16="http://schemas.microsoft.com/office/drawing/2014/main" val="79766328"/>
                   </a:ext>
                 </a:extLst>
               </a:tr>
@@ -12852,7 +12853,7 @@
                 </a:tc>
                 <a:extLst>
                   <a:ext uri="{0D108BD9-81ED-4DB2-BD59-A6C34878D82A}">
-                    <a16:rowId xmlns:a16="http://schemas.microsoft.com/office/drawing/2014/main" xmlns="" val="3376613869"/>
+                    <a16:rowId xmlns:a16="http://schemas.microsoft.com/office/drawing/2014/main" val="3376613869"/>
                   </a:ext>
                 </a:extLst>
               </a:tr>
@@ -12961,7 +12962,7 @@
                 </a:tc>
                 <a:extLst>
                   <a:ext uri="{0D108BD9-81ED-4DB2-BD59-A6C34878D82A}">
-                    <a16:rowId xmlns:a16="http://schemas.microsoft.com/office/drawing/2014/main" xmlns="" val="1839139184"/>
+                    <a16:rowId xmlns:a16="http://schemas.microsoft.com/office/drawing/2014/main" val="1839139184"/>
                   </a:ext>
                 </a:extLst>
               </a:tr>
@@ -13060,7 +13061,7 @@
                 </a:tc>
                 <a:extLst>
                   <a:ext uri="{0D108BD9-81ED-4DB2-BD59-A6C34878D82A}">
-                    <a16:rowId xmlns:a16="http://schemas.microsoft.com/office/drawing/2014/main" xmlns="" val="171626832"/>
+                    <a16:rowId xmlns:a16="http://schemas.microsoft.com/office/drawing/2014/main" val="171626832"/>
                   </a:ext>
                 </a:extLst>
               </a:tr>
@@ -13073,7 +13074,7 @@
           <p:cNvPr id="2" name="그림 1">
             <a:extLst>
               <a:ext uri="{FF2B5EF4-FFF2-40B4-BE49-F238E27FC236}">
-                <a16:creationId xmlns:a16="http://schemas.microsoft.com/office/drawing/2014/main" xmlns="" id="{D4ECB1D8-EB7F-A582-302F-3AE85B9AC442}"/>
+                <a16:creationId xmlns:a16="http://schemas.microsoft.com/office/drawing/2014/main" id="{D4ECB1D8-EB7F-A582-302F-3AE85B9AC442}"/>
               </a:ext>
             </a:extLst>
           </p:cNvPr>
@@ -13298,7 +13299,7 @@
           <p:cNvPr id="4" name="내용 개체 틀 2">
             <a:extLst>
               <a:ext uri="{FF2B5EF4-FFF2-40B4-BE49-F238E27FC236}">
-                <a16:creationId xmlns:a16="http://schemas.microsoft.com/office/drawing/2014/main" xmlns="" id="{B73A9660-F78D-A435-853E-7A6E7F4A12F0}"/>
+                <a16:creationId xmlns:a16="http://schemas.microsoft.com/office/drawing/2014/main" id="{B73A9660-F78D-A435-853E-7A6E7F4A12F0}"/>
               </a:ext>
             </a:extLst>
           </p:cNvPr>
@@ -13575,7 +13576,7 @@
           <p:cNvPr id="5" name="그림 4">
             <a:extLst>
               <a:ext uri="{FF2B5EF4-FFF2-40B4-BE49-F238E27FC236}">
-                <a16:creationId xmlns:a16="http://schemas.microsoft.com/office/drawing/2014/main" xmlns="" id="{F3CEAF79-42FA-8CE7-CE4B-809A49754C92}"/>
+                <a16:creationId xmlns:a16="http://schemas.microsoft.com/office/drawing/2014/main" id="{F3CEAF79-42FA-8CE7-CE4B-809A49754C92}"/>
               </a:ext>
             </a:extLst>
           </p:cNvPr>
@@ -13605,7 +13606,7 @@
           <p:cNvPr id="6" name="그림 5">
             <a:extLst>
               <a:ext uri="{FF2B5EF4-FFF2-40B4-BE49-F238E27FC236}">
-                <a16:creationId xmlns:a16="http://schemas.microsoft.com/office/drawing/2014/main" xmlns="" id="{1F0D4C30-F380-15A7-A25F-DCD8DC565D88}"/>
+                <a16:creationId xmlns:a16="http://schemas.microsoft.com/office/drawing/2014/main" id="{1F0D4C30-F380-15A7-A25F-DCD8DC565D88}"/>
               </a:ext>
             </a:extLst>
           </p:cNvPr>
@@ -13635,7 +13636,7 @@
           <p:cNvPr id="7" name="내용 개체 틀 2">
             <a:extLst>
               <a:ext uri="{FF2B5EF4-FFF2-40B4-BE49-F238E27FC236}">
-                <a16:creationId xmlns:a16="http://schemas.microsoft.com/office/drawing/2014/main" xmlns="" id="{92FAB94F-C06D-7CE3-2B68-B1A8F863F626}"/>
+                <a16:creationId xmlns:a16="http://schemas.microsoft.com/office/drawing/2014/main" id="{92FAB94F-C06D-7CE3-2B68-B1A8F863F626}"/>
               </a:ext>
             </a:extLst>
           </p:cNvPr>
@@ -13911,7 +13912,7 @@
           <p:cNvPr id="8" name="내용 개체 틀 2">
             <a:extLst>
               <a:ext uri="{FF2B5EF4-FFF2-40B4-BE49-F238E27FC236}">
-                <a16:creationId xmlns:a16="http://schemas.microsoft.com/office/drawing/2014/main" xmlns="" id="{71605444-8FDA-D435-9AC1-D3071EB4E3B9}"/>
+                <a16:creationId xmlns:a16="http://schemas.microsoft.com/office/drawing/2014/main" id="{71605444-8FDA-D435-9AC1-D3071EB4E3B9}"/>
               </a:ext>
             </a:extLst>
           </p:cNvPr>
@@ -14215,7 +14216,7 @@
           <p:cNvPr id="9" name="그림 8">
             <a:extLst>
               <a:ext uri="{FF2B5EF4-FFF2-40B4-BE49-F238E27FC236}">
-                <a16:creationId xmlns:a16="http://schemas.microsoft.com/office/drawing/2014/main" xmlns="" id="{F278F909-840B-9384-655B-99E178775720}"/>
+                <a16:creationId xmlns:a16="http://schemas.microsoft.com/office/drawing/2014/main" id="{F278F909-840B-9384-655B-99E178775720}"/>
               </a:ext>
             </a:extLst>
           </p:cNvPr>
@@ -14245,7 +14246,7 @@
           <p:cNvPr id="10" name="내용 개체 틀 2">
             <a:extLst>
               <a:ext uri="{FF2B5EF4-FFF2-40B4-BE49-F238E27FC236}">
-                <a16:creationId xmlns:a16="http://schemas.microsoft.com/office/drawing/2014/main" xmlns="" id="{227483B0-F4BA-7100-0C60-4520285EF8A3}"/>
+                <a16:creationId xmlns:a16="http://schemas.microsoft.com/office/drawing/2014/main" id="{227483B0-F4BA-7100-0C60-4520285EF8A3}"/>
               </a:ext>
             </a:extLst>
           </p:cNvPr>
@@ -14560,7 +14561,7 @@
           <p:cNvPr id="11" name="그림 10">
             <a:extLst>
               <a:ext uri="{FF2B5EF4-FFF2-40B4-BE49-F238E27FC236}">
-                <a16:creationId xmlns:a16="http://schemas.microsoft.com/office/drawing/2014/main" xmlns="" id="{29DB6862-4DEE-A2C5-868B-A54EB7F0F403}"/>
+                <a16:creationId xmlns:a16="http://schemas.microsoft.com/office/drawing/2014/main" id="{29DB6862-4DEE-A2C5-868B-A54EB7F0F403}"/>
               </a:ext>
             </a:extLst>
           </p:cNvPr>
@@ -14590,7 +14591,7 @@
           <p:cNvPr id="12" name="내용 개체 틀 2">
             <a:extLst>
               <a:ext uri="{FF2B5EF4-FFF2-40B4-BE49-F238E27FC236}">
-                <a16:creationId xmlns:a16="http://schemas.microsoft.com/office/drawing/2014/main" xmlns="" id="{C8D62F31-44C0-50FD-DEA4-BA29237E2E42}"/>
+                <a16:creationId xmlns:a16="http://schemas.microsoft.com/office/drawing/2014/main" id="{C8D62F31-44C0-50FD-DEA4-BA29237E2E42}"/>
               </a:ext>
             </a:extLst>
           </p:cNvPr>
@@ -14880,7 +14881,7 @@
           <p:cNvPr id="13" name="내용 개체 틀 2">
             <a:extLst>
               <a:ext uri="{FF2B5EF4-FFF2-40B4-BE49-F238E27FC236}">
-                <a16:creationId xmlns:a16="http://schemas.microsoft.com/office/drawing/2014/main" xmlns="" id="{29B7F452-CF29-82D2-4B9F-3D141DC9D3BB}"/>
+                <a16:creationId xmlns:a16="http://schemas.microsoft.com/office/drawing/2014/main" id="{29B7F452-CF29-82D2-4B9F-3D141DC9D3BB}"/>
               </a:ext>
             </a:extLst>
           </p:cNvPr>
@@ -15173,7 +15174,7 @@
           <p:cNvPr id="15" name="내용 개체 틀 2">
             <a:extLst>
               <a:ext uri="{FF2B5EF4-FFF2-40B4-BE49-F238E27FC236}">
-                <a16:creationId xmlns:a16="http://schemas.microsoft.com/office/drawing/2014/main" xmlns="" id="{DE7FAC4E-9FAF-95DB-F9E1-04C79DEC55F0}"/>
+                <a16:creationId xmlns:a16="http://schemas.microsoft.com/office/drawing/2014/main" id="{DE7FAC4E-9FAF-95DB-F9E1-04C79DEC55F0}"/>
               </a:ext>
             </a:extLst>
           </p:cNvPr>
@@ -15466,7 +15467,7 @@
           <p:cNvPr id="16" name="내용 개체 틀 2">
             <a:extLst>
               <a:ext uri="{FF2B5EF4-FFF2-40B4-BE49-F238E27FC236}">
-                <a16:creationId xmlns:a16="http://schemas.microsoft.com/office/drawing/2014/main" xmlns="" id="{9E49DFF4-B5F6-672A-289C-6987AD36125A}"/>
+                <a16:creationId xmlns:a16="http://schemas.microsoft.com/office/drawing/2014/main" id="{9E49DFF4-B5F6-672A-289C-6987AD36125A}"/>
               </a:ext>
             </a:extLst>
           </p:cNvPr>
@@ -15966,7 +15967,7 @@
           <p:cNvPr id="4" name="내용 개체 틀 2">
             <a:extLst>
               <a:ext uri="{FF2B5EF4-FFF2-40B4-BE49-F238E27FC236}">
-                <a16:creationId xmlns:a16="http://schemas.microsoft.com/office/drawing/2014/main" xmlns="" id="{B73A9660-F78D-A435-853E-7A6E7F4A12F0}"/>
+                <a16:creationId xmlns:a16="http://schemas.microsoft.com/office/drawing/2014/main" id="{B73A9660-F78D-A435-853E-7A6E7F4A12F0}"/>
               </a:ext>
             </a:extLst>
           </p:cNvPr>
@@ -16243,7 +16244,7 @@
           <p:cNvPr id="7" name="내용 개체 틀 2">
             <a:extLst>
               <a:ext uri="{FF2B5EF4-FFF2-40B4-BE49-F238E27FC236}">
-                <a16:creationId xmlns:a16="http://schemas.microsoft.com/office/drawing/2014/main" xmlns="" id="{92FAB94F-C06D-7CE3-2B68-B1A8F863F626}"/>
+                <a16:creationId xmlns:a16="http://schemas.microsoft.com/office/drawing/2014/main" id="{92FAB94F-C06D-7CE3-2B68-B1A8F863F626}"/>
               </a:ext>
             </a:extLst>
           </p:cNvPr>
@@ -16524,7 +16525,7 @@
           <p:cNvPr id="2" name="그림 1">
             <a:extLst>
               <a:ext uri="{FF2B5EF4-FFF2-40B4-BE49-F238E27FC236}">
-                <a16:creationId xmlns:a16="http://schemas.microsoft.com/office/drawing/2014/main" xmlns="" id="{37CD3E7F-DE17-2D39-FB57-F3AACD1157EA}"/>
+                <a16:creationId xmlns:a16="http://schemas.microsoft.com/office/drawing/2014/main" id="{37CD3E7F-DE17-2D39-FB57-F3AACD1157EA}"/>
               </a:ext>
             </a:extLst>
           </p:cNvPr>
@@ -16554,7 +16555,7 @@
           <p:cNvPr id="18" name="TextBox 17">
             <a:extLst>
               <a:ext uri="{FF2B5EF4-FFF2-40B4-BE49-F238E27FC236}">
-                <a16:creationId xmlns:a16="http://schemas.microsoft.com/office/drawing/2014/main" xmlns="" id="{7F0BABFD-B329-D31F-6F06-56CB0645EC83}"/>
+                <a16:creationId xmlns:a16="http://schemas.microsoft.com/office/drawing/2014/main" id="{7F0BABFD-B329-D31F-6F06-56CB0645EC83}"/>
               </a:ext>
             </a:extLst>
           </p:cNvPr>
@@ -16601,7 +16602,7 @@
           <p:cNvPr id="19" name="TextBox 18">
             <a:extLst>
               <a:ext uri="{FF2B5EF4-FFF2-40B4-BE49-F238E27FC236}">
-                <a16:creationId xmlns:a16="http://schemas.microsoft.com/office/drawing/2014/main" xmlns="" id="{8B0A6A28-3F0B-0116-A3A6-DD086BD3A223}"/>
+                <a16:creationId xmlns:a16="http://schemas.microsoft.com/office/drawing/2014/main" id="{8B0A6A28-3F0B-0116-A3A6-DD086BD3A223}"/>
               </a:ext>
             </a:extLst>
           </p:cNvPr>
@@ -16648,7 +16649,7 @@
           <p:cNvPr id="20" name="TextBox 19">
             <a:extLst>
               <a:ext uri="{FF2B5EF4-FFF2-40B4-BE49-F238E27FC236}">
-                <a16:creationId xmlns:a16="http://schemas.microsoft.com/office/drawing/2014/main" xmlns="" id="{88FE64E7-2900-6972-7943-C7735A418A78}"/>
+                <a16:creationId xmlns:a16="http://schemas.microsoft.com/office/drawing/2014/main" id="{88FE64E7-2900-6972-7943-C7735A418A78}"/>
               </a:ext>
             </a:extLst>
           </p:cNvPr>
@@ -16687,7 +16688,7 @@
           <p:cNvPr id="21" name="TextBox 20">
             <a:extLst>
               <a:ext uri="{FF2B5EF4-FFF2-40B4-BE49-F238E27FC236}">
-                <a16:creationId xmlns:a16="http://schemas.microsoft.com/office/drawing/2014/main" xmlns="" id="{18D391A4-7BBD-2F25-9935-EFB3349519B0}"/>
+                <a16:creationId xmlns:a16="http://schemas.microsoft.com/office/drawing/2014/main" id="{18D391A4-7BBD-2F25-9935-EFB3349519B0}"/>
               </a:ext>
             </a:extLst>
           </p:cNvPr>
@@ -16726,7 +16727,7 @@
           <p:cNvPr id="22" name="그림 21">
             <a:extLst>
               <a:ext uri="{FF2B5EF4-FFF2-40B4-BE49-F238E27FC236}">
-                <a16:creationId xmlns:a16="http://schemas.microsoft.com/office/drawing/2014/main" xmlns="" id="{B3161D7C-40EB-E19F-E8F3-6582786EF331}"/>
+                <a16:creationId xmlns:a16="http://schemas.microsoft.com/office/drawing/2014/main" id="{B3161D7C-40EB-E19F-E8F3-6582786EF331}"/>
               </a:ext>
             </a:extLst>
           </p:cNvPr>
@@ -16756,7 +16757,7 @@
           <p:cNvPr id="23" name="내용 개체 틀 2">
             <a:extLst>
               <a:ext uri="{FF2B5EF4-FFF2-40B4-BE49-F238E27FC236}">
-                <a16:creationId xmlns:a16="http://schemas.microsoft.com/office/drawing/2014/main" xmlns="" id="{B39C6456-BFAA-307C-470B-74F9F9D64106}"/>
+                <a16:creationId xmlns:a16="http://schemas.microsoft.com/office/drawing/2014/main" id="{B39C6456-BFAA-307C-470B-74F9F9D64106}"/>
               </a:ext>
             </a:extLst>
           </p:cNvPr>
@@ -17065,7 +17066,7 @@
           <p:cNvPr id="24" name="그림 23">
             <a:extLst>
               <a:ext uri="{FF2B5EF4-FFF2-40B4-BE49-F238E27FC236}">
-                <a16:creationId xmlns:a16="http://schemas.microsoft.com/office/drawing/2014/main" xmlns="" id="{9E21A14B-132E-80EB-FD8B-B472FD77BB52}"/>
+                <a16:creationId xmlns:a16="http://schemas.microsoft.com/office/drawing/2014/main" id="{9E21A14B-132E-80EB-FD8B-B472FD77BB52}"/>
               </a:ext>
             </a:extLst>
           </p:cNvPr>
@@ -17095,7 +17096,7 @@
           <p:cNvPr id="25" name="내용 개체 틀 2">
             <a:extLst>
               <a:ext uri="{FF2B5EF4-FFF2-40B4-BE49-F238E27FC236}">
-                <a16:creationId xmlns:a16="http://schemas.microsoft.com/office/drawing/2014/main" xmlns="" id="{E3C9941E-848A-5AD0-CEBD-B61D2B92AC0B}"/>
+                <a16:creationId xmlns:a16="http://schemas.microsoft.com/office/drawing/2014/main" id="{E3C9941E-848A-5AD0-CEBD-B61D2B92AC0B}"/>
               </a:ext>
             </a:extLst>
           </p:cNvPr>
@@ -17409,13 +17410,6 @@
   <p:clrMapOvr>
     <a:masterClrMapping/>
   </p:clrMapOvr>
-  <p:timing>
-    <p:tnLst>
-      <p:par>
-        <p:cTn id="1" dur="indefinite" restart="never" nodeType="tmRoot"/>
-      </p:par>
-    </p:tnLst>
-  </p:timing>
 </p:sld>
 </file>
 
@@ -17606,7 +17600,7 @@
           <p:cNvPr id="4" name="내용 개체 틀 2">
             <a:extLst>
               <a:ext uri="{FF2B5EF4-FFF2-40B4-BE49-F238E27FC236}">
-                <a16:creationId xmlns:a16="http://schemas.microsoft.com/office/drawing/2014/main" xmlns="" id="{B73A9660-F78D-A435-853E-7A6E7F4A12F0}"/>
+                <a16:creationId xmlns:a16="http://schemas.microsoft.com/office/drawing/2014/main" id="{B73A9660-F78D-A435-853E-7A6E7F4A12F0}"/>
               </a:ext>
             </a:extLst>
           </p:cNvPr>
@@ -17903,7 +17897,7 @@
           <p:cNvPr id="6" name="그림 5" descr="스케치, 도표, 라인, 디자인이(가) 표시된 사진&#10;&#10;자동 생성된 설명">
             <a:extLst>
               <a:ext uri="{FF2B5EF4-FFF2-40B4-BE49-F238E27FC236}">
-                <a16:creationId xmlns:a16="http://schemas.microsoft.com/office/drawing/2014/main" xmlns="" id="{4EC74A80-2541-039D-9AF6-5B016888FC3F}"/>
+                <a16:creationId xmlns:a16="http://schemas.microsoft.com/office/drawing/2014/main" id="{4EC74A80-2541-039D-9AF6-5B016888FC3F}"/>
               </a:ext>
             </a:extLst>
           </p:cNvPr>
@@ -17933,7 +17927,7 @@
           <p:cNvPr id="8" name="내용 개체 틀 2">
             <a:extLst>
               <a:ext uri="{FF2B5EF4-FFF2-40B4-BE49-F238E27FC236}">
-                <a16:creationId xmlns:a16="http://schemas.microsoft.com/office/drawing/2014/main" xmlns="" id="{E3C9941E-848A-5AD0-CEBD-B61D2B92AC0B}"/>
+                <a16:creationId xmlns:a16="http://schemas.microsoft.com/office/drawing/2014/main" id="{E3C9941E-848A-5AD0-CEBD-B61D2B92AC0B}"/>
               </a:ext>
             </a:extLst>
           </p:cNvPr>
@@ -18189,44 +18183,47 @@
               </a:lnSpc>
             </a:pPr>
             <a:r>
-              <a:rPr lang="en-US" altLang="ko-KR" sz="1200" dirty="0" smtClean="0">
+              <a:rPr lang="en-US" altLang="ko-KR" sz="1200" dirty="0">
                 <a:latin typeface="+mn-ea"/>
                 <a:ea typeface="+mn-ea"/>
               </a:rPr>
               <a:t>※ F5 </a:t>
             </a:r>
             <a:r>
-              <a:rPr lang="ko-KR" altLang="en-US" sz="1200" dirty="0" smtClean="0">
+              <a:rPr lang="ko-KR" altLang="en-US" sz="1200" dirty="0">
                 <a:latin typeface="+mn-ea"/>
                 <a:ea typeface="+mn-ea"/>
               </a:rPr>
-              <a:t>발표자 모드에서 이미지 </a:t>
+              <a:t>발표자 </a:t>
             </a:r>
             <a:r>
-              <a:rPr lang="en-US" altLang="ko-KR" sz="1200" dirty="0" smtClean="0">
+              <a:rPr lang="ko-KR" altLang="en-US" sz="1200">
+                <a:latin typeface="+mn-ea"/>
+                <a:ea typeface="+mn-ea"/>
+              </a:rPr>
+              <a:t>모드에서 </a:t>
+            </a:r>
+            <a:r>
+              <a:rPr lang="en-US" altLang="ko-KR" sz="1200">
                 <a:latin typeface="+mn-ea"/>
                 <a:ea typeface="+mn-ea"/>
               </a:rPr>
               <a:t>PLAY</a:t>
             </a:r>
             <a:r>
-              <a:rPr lang="ko-KR" altLang="en-US" sz="1200" dirty="0" err="1" smtClean="0">
+              <a:rPr lang="ko-KR" altLang="en-US" sz="1200" dirty="0">
                 <a:latin typeface="+mn-ea"/>
                 <a:ea typeface="+mn-ea"/>
               </a:rPr>
-              <a:t>이됩니다</a:t>
+              <a:t>이 됩니다</a:t>
             </a:r>
             <a:r>
-              <a:rPr lang="en-US" altLang="ko-KR" sz="1200" dirty="0" smtClean="0">
+              <a:rPr lang="en-US" altLang="ko-KR" sz="1200" dirty="0">
                 <a:latin typeface="+mn-ea"/>
                 <a:ea typeface="+mn-ea"/>
               </a:rPr>
               <a:t>.</a:t>
             </a:r>
-            <a:endParaRPr lang="en-US" altLang="ko-KR" sz="1200" dirty="0">
-              <a:latin typeface="+mn-ea"/>
-              <a:ea typeface="+mn-ea"/>
-            </a:endParaRPr>
           </a:p>
         </p:txBody>
       </p:sp>
@@ -18240,13 +18237,6 @@
   <p:clrMapOvr>
     <a:masterClrMapping/>
   </p:clrMapOvr>
-  <p:timing>
-    <p:tnLst>
-      <p:par>
-        <p:cTn id="1" dur="indefinite" restart="never" nodeType="tmRoot"/>
-      </p:par>
-    </p:tnLst>
-  </p:timing>
 </p:sld>
 </file>
 
